--- a/Daily Agendas/Day7.1_PythonPixels2.pptx
+++ b/Daily Agendas/Day7.1_PythonPixels2.pptx
@@ -3295,12 +3295,12 @@
         <p:spPr/>
         <p:txBody>
           <a:bodyPr>
-            <a:normAutofit/>
+            <a:normAutofit fontScale="92500" lnSpcReduction="20000"/>
           </a:bodyPr>
           <a:lstStyle/>
           <a:p>
             <a:r>
-              <a:rPr lang="en-US" dirty="0"/>
+              <a:rPr lang="en-US" dirty="0" smtClean="0"/>
               <a:t>Agenda</a:t>
             </a:r>
             <a:endParaRPr lang="en-CA" dirty="0"/>
@@ -3308,8 +3308,42 @@
           <a:p>
             <a:pPr lvl="1"/>
             <a:r>
+              <a:rPr lang="en-CA" dirty="0"/>
+              <a:t>Module B.4 – Student </a:t>
+            </a:r>
+            <a:r>
               <a:rPr lang="en-CA" dirty="0" smtClean="0"/>
-              <a:t>Module B.4 – Student Database</a:t>
+              <a:t>Component Presentation</a:t>
+            </a:r>
+          </a:p>
+          <a:p>
+            <a:pPr lvl="2"/>
+            <a:r>
+              <a:rPr lang="en-CA" dirty="0" smtClean="0"/>
+              <a:t>Create Your 4 Slide Presentation (See Template)</a:t>
+            </a:r>
+          </a:p>
+          <a:p>
+            <a:pPr lvl="2"/>
+            <a:r>
+              <a:rPr lang="en-CA" dirty="0" smtClean="0"/>
+              <a:t>Finish For Tomorrow</a:t>
+            </a:r>
+            <a:endParaRPr lang="en-CA" dirty="0"/>
+          </a:p>
+          <a:p>
+            <a:pPr lvl="1"/>
+            <a:r>
+              <a:rPr lang="en-CA" dirty="0" smtClean="0"/>
+              <a:t>Module </a:t>
+            </a:r>
+            <a:r>
+              <a:rPr lang="en-CA" dirty="0" smtClean="0"/>
+              <a:t>B.4 – Student </a:t>
+            </a:r>
+            <a:r>
+              <a:rPr lang="en-CA" dirty="0" smtClean="0"/>
+              <a:t>Database Code</a:t>
             </a:r>
             <a:endParaRPr lang="en-CA" dirty="0"/>
           </a:p>
@@ -3326,7 +3360,6 @@
               <a:rPr lang="en-CA" dirty="0" smtClean="0"/>
               <a:t>Troubleshoot Student Code</a:t>
             </a:r>
-            <a:endParaRPr lang="en-CA" dirty="0" smtClean="0"/>
           </a:p>
           <a:p>
             <a:pPr lvl="2"/>
@@ -3337,10 +3370,6 @@
             <a:r>
               <a:rPr lang="en-CA" dirty="0"/>
               <a:t>of Individual Student Classes </a:t>
-            </a:r>
-            <a:r>
-              <a:rPr lang="en-CA" dirty="0"/>
-              <a:t/>
             </a:r>
             <a:br>
               <a:rPr lang="en-CA" dirty="0"/>
@@ -3364,12 +3393,8 @@
               <a:t>Tomorrow: </a:t>
             </a:r>
             <a:r>
-              <a:rPr lang="en-CA" dirty="0" smtClean="0"/>
-              <a:t>Integrate </a:t>
-            </a:r>
-            <a:r>
-              <a:rPr lang="en-CA" dirty="0" smtClean="0"/>
-              <a:t>Student Database </a:t>
+              <a:rPr lang="en-CA" smtClean="0"/>
+              <a:t>Component Presentations </a:t>
             </a:r>
             <a:endParaRPr lang="en-CA" dirty="0"/>
           </a:p>
